--- a/src/uml/create_tables.pptx
+++ b/src/uml/create_tables.pptx
@@ -5,11 +5,10 @@
     <p:sldMasterId id="2147483648" r:id="rId1"/>
   </p:sldMasterIdLst>
   <p:sldIdLst>
-    <p:sldId id="257" r:id="rId2"/>
-    <p:sldId id="261" r:id="rId3"/>
-    <p:sldId id="258" r:id="rId4"/>
-    <p:sldId id="260" r:id="rId5"/>
-    <p:sldId id="259" r:id="rId6"/>
+    <p:sldId id="261" r:id="rId2"/>
+    <p:sldId id="258" r:id="rId3"/>
+    <p:sldId id="260" r:id="rId4"/>
+    <p:sldId id="259" r:id="rId5"/>
   </p:sldIdLst>
   <p:sldSz cx="9144000" cy="6858000" type="screen4x3"/>
   <p:notesSz cx="6858000" cy="9144000"/>
@@ -3065,70 +3064,6 @@
       </p:grpSpPr>
       <p:pic>
         <p:nvPicPr>
-          <p:cNvPr id="2" name="Picture 2"/>
-          <p:cNvPicPr>
-            <a:picLocks noChangeAspect="1" noChangeArrowheads="1"/>
-          </p:cNvPicPr>
-          <p:nvPr/>
-        </p:nvPicPr>
-        <p:blipFill>
-          <a:blip r:embed="rId2" cstate="print"/>
-          <a:srcRect/>
-          <a:stretch>
-            <a:fillRect/>
-          </a:stretch>
-        </p:blipFill>
-        <p:spPr bwMode="auto">
-          <a:xfrm>
-            <a:off x="971600" y="1700808"/>
-            <a:ext cx="7208837" cy="2476500"/>
-          </a:xfrm>
-          <a:prstGeom prst="rect">
-            <a:avLst/>
-          </a:prstGeom>
-          <a:noFill/>
-          <a:ln w="9525">
-            <a:noFill/>
-            <a:miter lim="800000"/>
-            <a:headEnd/>
-            <a:tailEnd/>
-          </a:ln>
-        </p:spPr>
-      </p:pic>
-    </p:spTree>
-  </p:cSld>
-  <p:clrMapOvr>
-    <a:masterClrMapping/>
-  </p:clrMapOvr>
-  <p:timing>
-    <p:tnLst>
-      <p:par>
-        <p:cTn id="1" dur="indefinite" restart="never" nodeType="tmRoot"/>
-      </p:par>
-    </p:tnLst>
-  </p:timing>
-</p:sld>
-</file>
-
-<file path=ppt/slides/slide2.xml><?xml version="1.0" encoding="utf-8"?>
-<p:sld xmlns:a="http://schemas.openxmlformats.org/drawingml/2006/main" xmlns:r="http://schemas.openxmlformats.org/officeDocument/2006/relationships" xmlns:p="http://schemas.openxmlformats.org/presentationml/2006/main">
-  <p:cSld>
-    <p:spTree>
-      <p:nvGrpSpPr>
-        <p:cNvPr id="1" name=""/>
-        <p:cNvGrpSpPr/>
-        <p:nvPr/>
-      </p:nvGrpSpPr>
-      <p:grpSpPr>
-        <a:xfrm>
-          <a:off x="0" y="0"/>
-          <a:ext cx="0" cy="0"/>
-          <a:chOff x="0" y="0"/>
-          <a:chExt cx="0" cy="0"/>
-        </a:xfrm>
-      </p:grpSpPr>
-      <p:pic>
-        <p:nvPicPr>
           <p:cNvPr id="4" name="Picture 3"/>
           <p:cNvPicPr>
             <a:picLocks noChangeAspect="1" noChangeArrowheads="1"/>
@@ -3144,7 +3079,7 @@
         </p:blipFill>
         <p:spPr bwMode="auto">
           <a:xfrm>
-            <a:off x="251520" y="2060848"/>
+            <a:off x="0" y="3717032"/>
             <a:ext cx="4400550" cy="876300"/>
           </a:xfrm>
           <a:prstGeom prst="rect">
@@ -3176,7 +3111,7 @@
         </p:blipFill>
         <p:spPr bwMode="auto">
           <a:xfrm>
-            <a:off x="2699792" y="5085184"/>
+            <a:off x="3048000" y="5657850"/>
             <a:ext cx="6096000" cy="1200150"/>
           </a:xfrm>
           <a:prstGeom prst="rect">
@@ -3199,7 +3134,7 @@
         </p:nvSpPr>
         <p:spPr>
           <a:xfrm>
-            <a:off x="0" y="332656"/>
+            <a:off x="0" y="2132856"/>
             <a:ext cx="8784976" cy="1477328"/>
           </a:xfrm>
           <a:prstGeom prst="rect">
@@ -3240,7 +3175,7 @@
               <a:t>="</a:t>
             </a:r>
             <a:r>
-              <a:rPr lang="de-DE" dirty="0" err="1" smtClean="0"/>
+              <a:rPr lang="de-DE" b="1" dirty="0" err="1" smtClean="0"/>
               <a:t>myOrders</a:t>
             </a:r>
             <a:r>
@@ -3248,7 +3183,7 @@
               <a:t>" inverse="</a:t>
             </a:r>
             <a:r>
-              <a:rPr lang="de-DE" dirty="0" err="1" smtClean="0"/>
+              <a:rPr lang="de-DE" b="1" dirty="0" err="1" smtClean="0"/>
               <a:t>true</a:t>
             </a:r>
             <a:r>
@@ -3299,7 +3234,15 @@
             </a:r>
             <a:r>
               <a:rPr lang="de-DE" dirty="0" smtClean="0"/>
-              <a:t>="CUSTOMER_ID" /&gt;</a:t>
+              <a:t>="</a:t>
+            </a:r>
+            <a:r>
+              <a:rPr lang="de-DE" b="1" dirty="0" smtClean="0"/>
+              <a:t>CUSTOMER_ID</a:t>
+            </a:r>
+            <a:r>
+              <a:rPr lang="de-DE" dirty="0" smtClean="0"/>
+              <a:t>" /&gt;</a:t>
             </a:r>
           </a:p>
           <a:p>
@@ -3325,7 +3268,11 @@
             </a:r>
             <a:r>
               <a:rPr lang="de-DE" dirty="0" err="1" smtClean="0"/>
-              <a:t>dbt.online.delivery.MyOrder</a:t>
+              <a:t>dbt.online.delivery.</a:t>
+            </a:r>
+            <a:r>
+              <a:rPr lang="de-DE" b="1" dirty="0" err="1" smtClean="0"/>
+              <a:t>MyOrder</a:t>
             </a:r>
             <a:r>
               <a:rPr lang="de-DE" dirty="0" smtClean="0"/>
@@ -3357,7 +3304,7 @@
         </p:nvSpPr>
         <p:spPr>
           <a:xfrm>
-            <a:off x="2627784" y="3789040"/>
+            <a:off x="3167336" y="4725144"/>
             <a:ext cx="5976664" cy="923330"/>
           </a:xfrm>
           <a:prstGeom prst="rect">
@@ -3379,11 +3326,23 @@
           <a:p>
             <a:r>
               <a:rPr lang="en-US" dirty="0" smtClean="0"/>
-              <a:t>&lt;</a:t>
+              <a:t>&lt;many-to-one name="</a:t>
+            </a:r>
+            <a:r>
+              <a:rPr lang="en-US" b="1" dirty="0" smtClean="0"/>
+              <a:t>customer</a:t>
             </a:r>
             <a:r>
               <a:rPr lang="en-US" dirty="0" smtClean="0"/>
-              <a:t>many-to-one name="customer" column="CUSTOMER_ID"</a:t>
+              <a:t>" column="</a:t>
+            </a:r>
+            <a:r>
+              <a:rPr lang="en-US" b="1" dirty="0" smtClean="0"/>
+              <a:t>CUSTOMER_ID</a:t>
+            </a:r>
+            <a:r>
+              <a:rPr lang="en-US" dirty="0" smtClean="0"/>
+              <a:t>"</a:t>
             </a:r>
           </a:p>
           <a:p>
@@ -3397,7 +3356,11 @@
             </a:r>
             <a:r>
               <a:rPr lang="de-DE" dirty="0" err="1" smtClean="0"/>
-              <a:t>dbt.online.delivery.Customer</a:t>
+              <a:t>dbt.online.delivery.</a:t>
+            </a:r>
+            <a:r>
+              <a:rPr lang="de-DE" b="1" dirty="0" err="1" smtClean="0"/>
+              <a:t>Customer</a:t>
             </a:r>
             <a:r>
               <a:rPr lang="de-DE" dirty="0" smtClean="0"/>
@@ -3407,6 +3370,38 @@
           </a:p>
         </p:txBody>
       </p:sp>
+      <p:pic>
+        <p:nvPicPr>
+          <p:cNvPr id="8" name="Picture 2"/>
+          <p:cNvPicPr>
+            <a:picLocks noChangeAspect="1" noChangeArrowheads="1"/>
+          </p:cNvPicPr>
+          <p:nvPr/>
+        </p:nvPicPr>
+        <p:blipFill>
+          <a:blip r:embed="rId4" cstate="print"/>
+          <a:srcRect/>
+          <a:stretch>
+            <a:fillRect/>
+          </a:stretch>
+        </p:blipFill>
+        <p:spPr bwMode="auto">
+          <a:xfrm>
+            <a:off x="3095328" y="0"/>
+            <a:ext cx="6048672" cy="2077941"/>
+          </a:xfrm>
+          <a:prstGeom prst="rect">
+            <a:avLst/>
+          </a:prstGeom>
+          <a:noFill/>
+          <a:ln w="9525">
+            <a:noFill/>
+            <a:miter lim="800000"/>
+            <a:headEnd/>
+            <a:tailEnd/>
+          </a:ln>
+        </p:spPr>
+      </p:pic>
     </p:spTree>
   </p:cSld>
   <p:clrMapOvr>
@@ -3422,7 +3417,7 @@
 </p:sld>
 </file>
 
-<file path=ppt/slides/slide3.xml><?xml version="1.0" encoding="utf-8"?>
+<file path=ppt/slides/slide2.xml><?xml version="1.0" encoding="utf-8"?>
 <p:sld xmlns:a="http://schemas.openxmlformats.org/drawingml/2006/main" xmlns:r="http://schemas.openxmlformats.org/officeDocument/2006/relationships" xmlns:p="http://schemas.openxmlformats.org/presentationml/2006/main">
   <p:cSld>
     <p:spTree>
@@ -3589,6 +3584,17 @@
           <a:lstStyle/>
           <a:p>
             <a:r>
+              <a:rPr lang="de-DE" b="1" dirty="0" err="1" smtClean="0"/>
+              <a:t>Myorder.hb</a:t>
+            </a:r>
+            <a:r>
+              <a:rPr lang="de-DE" b="1" dirty="0" err="1" smtClean="0"/>
+              <a:t>m.xml</a:t>
+            </a:r>
+            <a:endParaRPr lang="de-DE" b="1" dirty="0" smtClean="0"/>
+          </a:p>
+          <a:p>
+            <a:r>
               <a:rPr lang="de-DE" dirty="0" smtClean="0"/>
               <a:t>&lt;</a:t>
             </a:r>
@@ -3609,7 +3615,7 @@
               <a:t>="</a:t>
             </a:r>
             <a:r>
-              <a:rPr lang="de-DE" dirty="0" err="1" smtClean="0"/>
+              <a:rPr lang="de-DE" b="1" dirty="0" err="1" smtClean="0"/>
               <a:t>menus</a:t>
             </a:r>
             <a:r>
@@ -3625,7 +3631,7 @@
               <a:t>="</a:t>
             </a:r>
             <a:r>
-              <a:rPr lang="de-DE" dirty="0" err="1" smtClean="0"/>
+              <a:rPr lang="de-DE" b="1" dirty="0" err="1" smtClean="0"/>
               <a:t>map_myorder_menu</a:t>
             </a:r>
             <a:r>
@@ -3676,7 +3682,15 @@
             </a:r>
             <a:r>
               <a:rPr lang="de-DE" dirty="0" smtClean="0"/>
-              <a:t>="MYORDER_ID"/&gt;</a:t>
+              <a:t>="</a:t>
+            </a:r>
+            <a:r>
+              <a:rPr lang="de-DE" b="1" dirty="0" smtClean="0"/>
+              <a:t>MYORDER_ID</a:t>
+            </a:r>
+            <a:r>
+              <a:rPr lang="de-DE" dirty="0" smtClean="0"/>
+              <a:t>"/&gt;</a:t>
             </a:r>
           </a:p>
           <a:p>
@@ -3690,10 +3704,20 @@
             </a:r>
             <a:r>
               <a:rPr lang="en-US" dirty="0" smtClean="0"/>
-              <a:t>" column="MENU_ID" /&gt;</a:t>
-            </a:r>
-          </a:p>
-          <a:p>
+              <a:t>" column="</a:t>
+            </a:r>
+            <a:r>
+              <a:rPr lang="en-US" b="1" dirty="0" smtClean="0"/>
+              <a:t>MENU_ID</a:t>
+            </a:r>
+            <a:r>
+              <a:rPr lang="en-US" dirty="0" smtClean="0"/>
+              <a:t>" </a:t>
+            </a:r>
+            <a:r>
+              <a:rPr lang="en-US" dirty="0" smtClean="0"/>
+              <a:t>/&gt; </a:t>
+            </a:r>
             <a:r>
               <a:rPr lang="de-DE" dirty="0" smtClean="0"/>
               <a:t>&lt;/</a:t>
@@ -3725,7 +3749,7 @@
 </p:sld>
 </file>
 
-<file path=ppt/slides/slide4.xml><?xml version="1.0" encoding="utf-8"?>
+<file path=ppt/slides/slide3.xml><?xml version="1.0" encoding="utf-8"?>
 <p:sld xmlns:a="http://schemas.openxmlformats.org/drawingml/2006/main" xmlns:r="http://schemas.openxmlformats.org/officeDocument/2006/relationships" xmlns:p="http://schemas.openxmlformats.org/presentationml/2006/main">
   <p:cSld>
     <p:spTree>
@@ -3892,11 +3916,34 @@
           <a:lstStyle/>
           <a:p>
             <a:r>
+              <a:rPr lang="en-US" b="1" dirty="0" err="1" smtClean="0"/>
+              <a:t>Menu.hb</a:t>
+            </a:r>
+            <a:r>
+              <a:rPr lang="en-US" b="1" dirty="0" err="1" smtClean="0"/>
+              <a:t>m.xml</a:t>
+            </a:r>
+            <a:endParaRPr lang="en-US" b="1" dirty="0" smtClean="0"/>
+          </a:p>
+          <a:p>
+            <a:r>
               <a:rPr lang="en-US" dirty="0" smtClean="0"/>
-              <a:t>&lt;set name="products" table="</a:t>
-            </a:r>
-            <a:r>
-              <a:rPr lang="en-US" dirty="0" err="1" smtClean="0"/>
+              <a:t>&lt;</a:t>
+            </a:r>
+            <a:r>
+              <a:rPr lang="en-US" dirty="0" smtClean="0"/>
+              <a:t>set name="</a:t>
+            </a:r>
+            <a:r>
+              <a:rPr lang="en-US" b="1" dirty="0" smtClean="0"/>
+              <a:t>products</a:t>
+            </a:r>
+            <a:r>
+              <a:rPr lang="en-US" dirty="0" smtClean="0"/>
+              <a:t>" table="</a:t>
+            </a:r>
+            <a:r>
+              <a:rPr lang="en-US" b="1" dirty="0" err="1" smtClean="0"/>
               <a:t>map_menu_product</a:t>
             </a:r>
             <a:r>
@@ -3923,7 +3970,15 @@
             </a:r>
             <a:r>
               <a:rPr lang="de-DE" dirty="0" smtClean="0"/>
-              <a:t>="MENU_ID"/&gt;</a:t>
+              <a:t>="</a:t>
+            </a:r>
+            <a:r>
+              <a:rPr lang="de-DE" b="1" dirty="0" smtClean="0"/>
+              <a:t>MENU_ID</a:t>
+            </a:r>
+            <a:r>
+              <a:rPr lang="de-DE" dirty="0" smtClean="0"/>
+              <a:t>"/&gt;</a:t>
             </a:r>
           </a:p>
           <a:p>
@@ -3933,14 +3988,28 @@
             </a:r>
             <a:r>
               <a:rPr lang="en-US" dirty="0" err="1" smtClean="0"/>
-              <a:t>dbt.online.delivery.Product</a:t>
+              <a:t>dbt.online.delivery.</a:t>
+            </a:r>
+            <a:r>
+              <a:rPr lang="en-US" b="1" dirty="0" err="1" smtClean="0"/>
+              <a:t>Product</a:t>
             </a:r>
             <a:r>
               <a:rPr lang="en-US" dirty="0" smtClean="0"/>
-              <a:t>" column="PRODUCT_ID" /&gt;</a:t>
-            </a:r>
-          </a:p>
-          <a:p>
+              <a:t>" column="</a:t>
+            </a:r>
+            <a:r>
+              <a:rPr lang="en-US" b="1" dirty="0" smtClean="0"/>
+              <a:t>PRODUCT_ID</a:t>
+            </a:r>
+            <a:r>
+              <a:rPr lang="en-US" dirty="0" smtClean="0"/>
+              <a:t>" </a:t>
+            </a:r>
+            <a:r>
+              <a:rPr lang="en-US" dirty="0" smtClean="0"/>
+              <a:t>/&gt; </a:t>
+            </a:r>
             <a:r>
               <a:rPr lang="de-DE" dirty="0" smtClean="0"/>
               <a:t>&lt;/</a:t>
@@ -3972,7 +4041,7 @@
 </p:sld>
 </file>
 
-<file path=ppt/slides/slide5.xml><?xml version="1.0" encoding="utf-8"?>
+<file path=ppt/slides/slide4.xml><?xml version="1.0" encoding="utf-8"?>
 <p:sld xmlns:a="http://schemas.openxmlformats.org/drawingml/2006/main" xmlns:r="http://schemas.openxmlformats.org/officeDocument/2006/relationships" xmlns:p="http://schemas.openxmlformats.org/presentationml/2006/main">
   <p:cSld>
     <p:spTree>
